--- a/materials/ch10/ch10-代码的管理和部署.pptx
+++ b/materials/ch10/ch10-代码的管理和部署.pptx
@@ -543,7 +543,7 @@
           <a:p>
             <a:fld id="{10955001-8E90-43AD-87AF-166875BDDBE4}" type="datetimeFigureOut">
               <a:rPr lang="zh-CN" altLang="en-US" smtClean="0"/>
-              <a:t>2020/8/18</a:t>
+              <a:t>2020/8/29</a:t>
             </a:fld>
             <a:endParaRPr lang="zh-CN" altLang="en-US"/>
           </a:p>
@@ -775,7 +775,7 @@
           <a:p>
             <a:fld id="{10955001-8E90-43AD-87AF-166875BDDBE4}" type="datetimeFigureOut">
               <a:rPr lang="zh-CN" altLang="en-US" smtClean="0"/>
-              <a:t>2020/8/18</a:t>
+              <a:t>2020/8/29</a:t>
             </a:fld>
             <a:endParaRPr lang="zh-CN" altLang="en-US"/>
           </a:p>
@@ -958,7 +958,7 @@
                 <a:spcPts val="1200"/>
               </a:spcBef>
               <a:defRPr sz="2000" baseline="0">
-                <a:latin typeface="Victor Mono" panose="00000509000000000000" pitchFamily="49" charset="0"/>
+                <a:latin typeface="Ubuntu Mono" panose="020B0509030602030204" pitchFamily="49" charset="0"/>
                 <a:ea typeface="思源黑体 CN Light" panose="020B0300000000000000" pitchFamily="34" charset="-122"/>
               </a:defRPr>
             </a:lvl1pPr>
@@ -970,7 +970,7 @@
                 <a:spcPts val="1200"/>
               </a:spcBef>
               <a:defRPr sz="1800" baseline="0">
-                <a:latin typeface="Victor Mono" panose="00000509000000000000" pitchFamily="49" charset="0"/>
+                <a:latin typeface="Ubuntu Mono" panose="020B0509030602030204" pitchFamily="49" charset="0"/>
                 <a:ea typeface="思源黑体 CN Light" panose="020B0300000000000000" pitchFamily="34" charset="-122"/>
               </a:defRPr>
             </a:lvl2pPr>
@@ -982,7 +982,7 @@
                 <a:spcPts val="1200"/>
               </a:spcBef>
               <a:defRPr sz="1600" baseline="0">
-                <a:latin typeface="Victor Mono" panose="00000509000000000000" pitchFamily="49" charset="0"/>
+                <a:latin typeface="Ubuntu Mono" panose="020B0509030602030204" pitchFamily="49" charset="0"/>
                 <a:ea typeface="思源黑体 CN Light" panose="020B0300000000000000" pitchFamily="34" charset="-122"/>
               </a:defRPr>
             </a:lvl3pPr>
@@ -994,7 +994,7 @@
                 <a:spcPts val="1200"/>
               </a:spcBef>
               <a:defRPr sz="1400" baseline="0">
-                <a:latin typeface="Victor Mono" panose="00000509000000000000" pitchFamily="49" charset="0"/>
+                <a:latin typeface="Ubuntu Mono" panose="020B0509030602030204" pitchFamily="49" charset="0"/>
                 <a:ea typeface="思源黑体 CN Light" panose="020B0300000000000000" pitchFamily="34" charset="-122"/>
               </a:defRPr>
             </a:lvl4pPr>
@@ -1006,7 +1006,7 @@
                 <a:spcPts val="1200"/>
               </a:spcBef>
               <a:defRPr sz="1400" baseline="0">
-                <a:latin typeface="Victor Mono" panose="00000509000000000000" pitchFamily="49" charset="0"/>
+                <a:latin typeface="Ubuntu Mono" panose="020B0509030602030204" pitchFamily="49" charset="0"/>
                 <a:ea typeface="思源黑体 CN Light" panose="020B0300000000000000" pitchFamily="34" charset="-122"/>
               </a:defRPr>
             </a:lvl5pPr>
@@ -1273,7 +1273,7 @@
           <a:p>
             <a:fld id="{10955001-8E90-43AD-87AF-166875BDDBE4}" type="datetimeFigureOut">
               <a:rPr lang="zh-CN" altLang="en-US" smtClean="0"/>
-              <a:t>2020/8/18</a:t>
+              <a:t>2020/8/29</a:t>
             </a:fld>
             <a:endParaRPr lang="zh-CN" altLang="en-US"/>
           </a:p>
@@ -1702,7 +1702,7 @@
           <a:p>
             <a:fld id="{10955001-8E90-43AD-87AF-166875BDDBE4}" type="datetimeFigureOut">
               <a:rPr lang="zh-CN" altLang="en-US" smtClean="0"/>
-              <a:t>2020/8/18</a:t>
+              <a:t>2020/8/29</a:t>
             </a:fld>
             <a:endParaRPr lang="zh-CN" altLang="en-US"/>
           </a:p>
@@ -2219,7 +2219,7 @@
           <a:p>
             <a:fld id="{10955001-8E90-43AD-87AF-166875BDDBE4}" type="datetimeFigureOut">
               <a:rPr lang="zh-CN" altLang="en-US" smtClean="0"/>
-              <a:t>2020/8/18</a:t>
+              <a:t>2020/8/29</a:t>
             </a:fld>
             <a:endParaRPr lang="zh-CN" altLang="en-US"/>
           </a:p>
@@ -2679,7 +2679,7 @@
           <a:p>
             <a:fld id="{10955001-8E90-43AD-87AF-166875BDDBE4}" type="datetimeFigureOut">
               <a:rPr lang="zh-CN" altLang="en-US" smtClean="0"/>
-              <a:t>2020/8/18</a:t>
+              <a:t>2020/8/29</a:t>
             </a:fld>
             <a:endParaRPr lang="zh-CN" altLang="en-US"/>
           </a:p>
@@ -2991,7 +2991,7 @@
           <a:p>
             <a:fld id="{10955001-8E90-43AD-87AF-166875BDDBE4}" type="datetimeFigureOut">
               <a:rPr lang="zh-CN" altLang="en-US" smtClean="0"/>
-              <a:t>2020/8/18</a:t>
+              <a:t>2020/8/29</a:t>
             </a:fld>
             <a:endParaRPr lang="zh-CN" altLang="en-US"/>
           </a:p>
@@ -3664,6 +3664,27 @@
         <p:txBody>
           <a:bodyPr/>
           <a:lstStyle/>
+          <a:p>
+            <a:r>
+              <a:rPr lang="zh-CN" altLang="en-US"/>
+              <a:t>最终，你一定会用到版本控制来管理代码，如果你在</a:t>
+            </a:r>
+            <a:r>
+              <a:rPr lang="en-US" altLang="zh-CN"/>
+              <a:t>IT</a:t>
+            </a:r>
+            <a:r>
+              <a:rPr lang="zh-CN" altLang="en-US"/>
+              <a:t>行业，或者你成为一个作家，或者你的工作总是要编辑文档并希望有个备份。</a:t>
+            </a:r>
+            <a:endParaRPr lang="en-US" altLang="zh-CN"/>
+          </a:p>
+          <a:p>
+            <a:endParaRPr lang="en-US" altLang="zh-CN"/>
+          </a:p>
+          <a:p>
+            <a:endParaRPr lang="en-US" altLang="zh-CN"/>
+          </a:p>
           <a:p>
             <a:endParaRPr lang="zh-CN" altLang="en-US"/>
           </a:p>

--- a/materials/ch10/ch10-代码的管理和部署.pptx
+++ b/materials/ch10/ch10-代码的管理和部署.pptx
@@ -9,8 +9,7 @@
     <p:sldId id="276" r:id="rId3"/>
     <p:sldId id="259" r:id="rId4"/>
     <p:sldId id="274" r:id="rId5"/>
-    <p:sldId id="275" r:id="rId6"/>
-    <p:sldId id="258" r:id="rId7"/>
+    <p:sldId id="278" r:id="rId6"/>
   </p:sldIdLst>
   <p:sldSz cx="12192000" cy="6858000"/>
   <p:notesSz cx="6858000" cy="9144000"/>
@@ -543,7 +542,7 @@
           <a:p>
             <a:fld id="{10955001-8E90-43AD-87AF-166875BDDBE4}" type="datetimeFigureOut">
               <a:rPr lang="zh-CN" altLang="en-US" smtClean="0"/>
-              <a:t>2020/8/29</a:t>
+              <a:t>2020/8/30</a:t>
             </a:fld>
             <a:endParaRPr lang="zh-CN" altLang="en-US"/>
           </a:p>
@@ -775,7 +774,7 @@
           <a:p>
             <a:fld id="{10955001-8E90-43AD-87AF-166875BDDBE4}" type="datetimeFigureOut">
               <a:rPr lang="zh-CN" altLang="en-US" smtClean="0"/>
-              <a:t>2020/8/29</a:t>
+              <a:t>2020/8/30</a:t>
             </a:fld>
             <a:endParaRPr lang="zh-CN" altLang="en-US"/>
           </a:p>
@@ -1273,7 +1272,7 @@
           <a:p>
             <a:fld id="{10955001-8E90-43AD-87AF-166875BDDBE4}" type="datetimeFigureOut">
               <a:rPr lang="zh-CN" altLang="en-US" smtClean="0"/>
-              <a:t>2020/8/29</a:t>
+              <a:t>2020/8/30</a:t>
             </a:fld>
             <a:endParaRPr lang="zh-CN" altLang="en-US"/>
           </a:p>
@@ -1702,7 +1701,7 @@
           <a:p>
             <a:fld id="{10955001-8E90-43AD-87AF-166875BDDBE4}" type="datetimeFigureOut">
               <a:rPr lang="zh-CN" altLang="en-US" smtClean="0"/>
-              <a:t>2020/8/29</a:t>
+              <a:t>2020/8/30</a:t>
             </a:fld>
             <a:endParaRPr lang="zh-CN" altLang="en-US"/>
           </a:p>
@@ -2219,7 +2218,7 @@
           <a:p>
             <a:fld id="{10955001-8E90-43AD-87AF-166875BDDBE4}" type="datetimeFigureOut">
               <a:rPr lang="zh-CN" altLang="en-US" smtClean="0"/>
-              <a:t>2020/8/29</a:t>
+              <a:t>2020/8/30</a:t>
             </a:fld>
             <a:endParaRPr lang="zh-CN" altLang="en-US"/>
           </a:p>
@@ -2679,7 +2678,7 @@
           <a:p>
             <a:fld id="{10955001-8E90-43AD-87AF-166875BDDBE4}" type="datetimeFigureOut">
               <a:rPr lang="zh-CN" altLang="en-US" smtClean="0"/>
-              <a:t>2020/8/29</a:t>
+              <a:t>2020/8/30</a:t>
             </a:fld>
             <a:endParaRPr lang="zh-CN" altLang="en-US"/>
           </a:p>
@@ -2991,7 +2990,7 @@
           <a:p>
             <a:fld id="{10955001-8E90-43AD-87AF-166875BDDBE4}" type="datetimeFigureOut">
               <a:rPr lang="zh-CN" altLang="en-US" smtClean="0"/>
-              <a:t>2020/8/29</a:t>
+              <a:t>2020/8/30</a:t>
             </a:fld>
             <a:endParaRPr lang="zh-CN" altLang="en-US"/>
           </a:p>
@@ -3675,8 +3674,95 @@
             </a:r>
             <a:r>
               <a:rPr lang="zh-CN" altLang="en-US"/>
-              <a:t>行业，或者你成为一个作家，或者你的工作总是要编辑文档并希望有个备份。</a:t>
-            </a:r>
+              <a:t>行业，或者你的工作总是要编辑文档并希望有个备份。</a:t>
+            </a:r>
+            <a:endParaRPr lang="en-US" altLang="zh-CN"/>
+          </a:p>
+          <a:p>
+            <a:r>
+              <a:rPr lang="zh-CN" altLang="en-US"/>
+              <a:t>版本控制软件有很多，而且都已经有很多年的历史。甚至一些非常古老的版本控制工具仍然在使用。</a:t>
+            </a:r>
+            <a:endParaRPr lang="en-US" altLang="zh-CN"/>
+          </a:p>
+          <a:p>
+            <a:endParaRPr lang="en-US" altLang="zh-CN"/>
+          </a:p>
+          <a:p>
+            <a:r>
+              <a:rPr lang="en-US" altLang="zh-CN"/>
+              <a:t>git</a:t>
+            </a:r>
+            <a:r>
+              <a:rPr lang="zh-CN" altLang="en-US"/>
+              <a:t>之所以会流行，一个主要原因是开源，在</a:t>
+            </a:r>
+            <a:r>
+              <a:rPr lang="en-US" altLang="zh-CN"/>
+              <a:t>Linux</a:t>
+            </a:r>
+            <a:r>
+              <a:rPr lang="zh-CN" altLang="en-US"/>
+              <a:t>上安装</a:t>
+            </a:r>
+            <a:r>
+              <a:rPr lang="en-US" altLang="zh-CN"/>
+              <a:t>git</a:t>
+            </a:r>
+            <a:r>
+              <a:rPr lang="zh-CN" altLang="en-US"/>
+              <a:t>是非常容易的，毕竟</a:t>
+            </a:r>
+            <a:r>
+              <a:rPr lang="en-US" altLang="zh-CN"/>
+              <a:t>git</a:t>
+            </a:r>
+            <a:r>
+              <a:rPr lang="zh-CN" altLang="en-US"/>
+              <a:t>当初就是</a:t>
+            </a:r>
+            <a:r>
+              <a:rPr lang="en-US" altLang="zh-CN"/>
+              <a:t>Linus</a:t>
+            </a:r>
+            <a:r>
+              <a:rPr lang="zh-CN" altLang="en-US"/>
+              <a:t>为了管理</a:t>
+            </a:r>
+            <a:r>
+              <a:rPr lang="en-US" altLang="zh-CN"/>
+              <a:t>Linux</a:t>
+            </a:r>
+            <a:r>
+              <a:rPr lang="zh-CN" altLang="en-US"/>
+              <a:t>内核代码而开发的。</a:t>
+            </a:r>
+            <a:endParaRPr lang="en-US" altLang="zh-CN"/>
+          </a:p>
+          <a:p>
+            <a:r>
+              <a:rPr lang="zh-CN" altLang="en-US"/>
+              <a:t>因为</a:t>
+            </a:r>
+            <a:r>
+              <a:rPr lang="en-US" altLang="zh-CN"/>
+              <a:t>git</a:t>
+            </a:r>
+            <a:r>
+              <a:rPr lang="zh-CN" altLang="en-US"/>
+              <a:t>分布式和易于协作的特点，以及有基于此的开放平台，被程序员广泛使用，当然，</a:t>
+            </a:r>
+            <a:r>
+              <a:rPr lang="en-US" altLang="zh-CN"/>
+              <a:t>git</a:t>
+            </a:r>
+            <a:r>
+              <a:rPr lang="zh-CN" altLang="en-US"/>
+              <a:t>使用成本也确实有点高。</a:t>
+            </a:r>
+            <a:endParaRPr lang="en-US" altLang="zh-CN"/>
+          </a:p>
+          <a:p>
             <a:endParaRPr lang="en-US" altLang="zh-CN"/>
           </a:p>
           <a:p>
@@ -3778,7 +3864,96 @@
           <a:bodyPr/>
           <a:lstStyle/>
           <a:p>
-            <a:endParaRPr lang="zh-CN" altLang="en-US"/>
+            <a:r>
+              <a:rPr lang="en-US" altLang="zh-CN"/>
+              <a:t>github</a:t>
+            </a:r>
+            <a:r>
+              <a:rPr lang="zh-CN" altLang="en-US"/>
+              <a:t>仍然是使用量最大的代码托管平台。但是国内访问速度非常慢，而且很不稳定。（可能一些网络节点上访问比较快）</a:t>
+            </a:r>
+            <a:endParaRPr lang="en-US" altLang="zh-CN"/>
+          </a:p>
+          <a:p>
+            <a:r>
+              <a:rPr lang="zh-CN" altLang="en-US"/>
+              <a:t>另一个大家不满意的地方在于，之前</a:t>
+            </a:r>
+            <a:r>
+              <a:rPr lang="en-US" altLang="zh-CN"/>
+              <a:t>github</a:t>
+            </a:r>
+            <a:r>
+              <a:rPr lang="zh-CN" altLang="en-US"/>
+              <a:t>由于网络原因，图片无法正常显示或显示不全，但网络环境好的时候还可以看。而现在基本就忽略了图片的存在，</a:t>
+            </a:r>
+            <a:r>
+              <a:rPr lang="en-US" altLang="zh-CN"/>
+              <a:t>README.md</a:t>
+            </a:r>
+            <a:r>
+              <a:rPr lang="zh-CN" altLang="en-US"/>
+              <a:t>文件中图示内容根本无法正常查看。而</a:t>
+            </a:r>
+            <a:r>
+              <a:rPr lang="en-US" altLang="zh-CN"/>
+              <a:t>npm</a:t>
+            </a:r>
+            <a:r>
+              <a:rPr lang="zh-CN" altLang="en-US"/>
+              <a:t>平台现在属于</a:t>
+            </a:r>
+            <a:r>
+              <a:rPr lang="en-US" altLang="zh-CN"/>
+              <a:t>github</a:t>
+            </a:r>
+            <a:r>
+              <a:rPr lang="zh-CN" altLang="en-US"/>
+              <a:t>，在这方面当然也和</a:t>
+            </a:r>
+            <a:r>
+              <a:rPr lang="en-US" altLang="zh-CN"/>
+              <a:t>github</a:t>
+            </a:r>
+            <a:r>
+              <a:rPr lang="zh-CN" altLang="en-US"/>
+              <a:t>看齐。</a:t>
+            </a:r>
+            <a:endParaRPr lang="en-US" altLang="zh-CN"/>
+          </a:p>
+          <a:p>
+            <a:endParaRPr lang="en-US" altLang="zh-CN"/>
+          </a:p>
+          <a:p>
+            <a:r>
+              <a:rPr lang="zh-CN" altLang="en-US"/>
+              <a:t>码云（</a:t>
+            </a:r>
+            <a:r>
+              <a:rPr lang="en-US" altLang="zh-CN"/>
+              <a:t>gitee.com</a:t>
+            </a:r>
+            <a:r>
+              <a:rPr lang="zh-CN" altLang="en-US"/>
+              <a:t>）是国内的代码托管和协作平台。在网络速度上来说，</a:t>
+            </a:r>
+            <a:r>
+              <a:rPr lang="en-US" altLang="zh-CN"/>
+              <a:t>gitee</a:t>
+            </a:r>
+            <a:r>
+              <a:rPr lang="zh-CN" altLang="en-US"/>
+              <a:t>是很快的，在私有仓库方面，提供比</a:t>
+            </a:r>
+            <a:r>
+              <a:rPr lang="en-US" altLang="zh-CN"/>
+              <a:t>github</a:t>
+            </a:r>
+            <a:r>
+              <a:rPr lang="zh-CN" altLang="en-US"/>
+              <a:t>更友好的功能。</a:t>
+            </a:r>
+            <a:endParaRPr lang="en-US" altLang="zh-CN"/>
           </a:p>
         </p:txBody>
       </p:sp>
@@ -3835,36 +4010,328 @@
           <a:p>
             <a:r>
               <a:rPr lang="zh-CN" altLang="en-US"/>
-              <a:t>代码同步和服务自动重启</a:t>
-            </a:r>
-          </a:p>
-        </p:txBody>
-      </p:sp>
-      <p:sp>
-        <p:nvSpPr>
-          <p:cNvPr id="3" name="内容占位符 2">
-            <a:extLst>
-              <a:ext uri="{FF2B5EF4-FFF2-40B4-BE49-F238E27FC236}">
-                <a16:creationId xmlns:a16="http://schemas.microsoft.com/office/drawing/2014/main" id="{735F0261-95EF-4A77-903C-0C589150A92E}"/>
-              </a:ext>
-            </a:extLst>
-          </p:cNvPr>
-          <p:cNvSpPr>
-            <a:spLocks noGrp="1"/>
-          </p:cNvSpPr>
-          <p:nvPr>
-            <p:ph idx="1"/>
-          </p:nvPr>
-        </p:nvSpPr>
-        <p:spPr/>
-        <p:txBody>
-          <a:bodyPr/>
+              <a:t>利用</a:t>
+            </a:r>
+            <a:r>
+              <a:rPr lang="en-US" altLang="zh-CN"/>
+              <a:t>git</a:t>
+            </a:r>
+            <a:r>
+              <a:rPr lang="zh-CN" altLang="en-US"/>
+              <a:t>进行代码同步</a:t>
+            </a:r>
+          </a:p>
+        </p:txBody>
+      </p:sp>
+      <p:sp>
+        <p:nvSpPr>
+          <p:cNvPr id="6" name="六边形 5">
+            <a:extLst>
+              <a:ext uri="{FF2B5EF4-FFF2-40B4-BE49-F238E27FC236}">
+                <a16:creationId xmlns:a16="http://schemas.microsoft.com/office/drawing/2014/main" id="{9C4EBA51-91A8-4156-9DB6-FF6534D1A01D}"/>
+              </a:ext>
+            </a:extLst>
+          </p:cNvPr>
+          <p:cNvSpPr/>
+          <p:nvPr/>
+        </p:nvSpPr>
+        <p:spPr>
+          <a:xfrm>
+            <a:off x="8131946" y="2652203"/>
+            <a:ext cx="1837677" cy="1553593"/>
+          </a:xfrm>
+          <a:prstGeom prst="hexagon">
+            <a:avLst/>
+          </a:prstGeom>
+          <a:noFill/>
+          <a:effectLst>
+            <a:outerShdw blurRad="50800" dist="38100" dir="5400000" algn="t" rotWithShape="0">
+              <a:prstClr val="black">
+                <a:alpha val="40000"/>
+              </a:prstClr>
+            </a:outerShdw>
+          </a:effectLst>
+        </p:spPr>
+        <p:style>
+          <a:lnRef idx="2">
+            <a:schemeClr val="accent2">
+              <a:shade val="50000"/>
+            </a:schemeClr>
+          </a:lnRef>
+          <a:fillRef idx="1">
+            <a:schemeClr val="accent2"/>
+          </a:fillRef>
+          <a:effectRef idx="0">
+            <a:schemeClr val="accent2"/>
+          </a:effectRef>
+          <a:fontRef idx="minor">
+            <a:schemeClr val="lt1"/>
+          </a:fontRef>
+        </p:style>
+        <p:txBody>
+          <a:bodyPr rtlCol="0" anchor="ctr"/>
           <a:lstStyle/>
           <a:p>
-            <a:endParaRPr lang="zh-CN" altLang="en-US"/>
-          </a:p>
-        </p:txBody>
-      </p:sp>
+            <a:pPr algn="ctr"/>
+            <a:r>
+              <a:rPr lang="en-US" altLang="zh-CN" sz="2400">
+                <a:solidFill>
+                  <a:schemeClr val="tx1">
+                    <a:lumMod val="85000"/>
+                    <a:lumOff val="15000"/>
+                  </a:schemeClr>
+                </a:solidFill>
+                <a:latin typeface="Ubuntu Mono" panose="020B0509030602030204" pitchFamily="49" charset="0"/>
+                <a:ea typeface="思源黑体 CN Light" panose="020B0300000000000000" pitchFamily="34" charset="-122"/>
+              </a:rPr>
+              <a:t>Git</a:t>
+            </a:r>
+            <a:r>
+              <a:rPr lang="zh-CN" altLang="en-US" sz="2400">
+                <a:solidFill>
+                  <a:schemeClr val="tx1">
+                    <a:lumMod val="85000"/>
+                    <a:lumOff val="15000"/>
+                  </a:schemeClr>
+                </a:solidFill>
+                <a:latin typeface="Ubuntu Mono" panose="020B0509030602030204" pitchFamily="49" charset="0"/>
+                <a:ea typeface="思源黑体 CN Light" panose="020B0300000000000000" pitchFamily="34" charset="-122"/>
+              </a:rPr>
+              <a:t>平台</a:t>
+            </a:r>
+          </a:p>
+        </p:txBody>
+      </p:sp>
+      <p:sp>
+        <p:nvSpPr>
+          <p:cNvPr id="8" name="矩形: 圆角 7">
+            <a:extLst>
+              <a:ext uri="{FF2B5EF4-FFF2-40B4-BE49-F238E27FC236}">
+                <a16:creationId xmlns:a16="http://schemas.microsoft.com/office/drawing/2014/main" id="{28A72A61-998E-412A-8FB9-2AF504511EE2}"/>
+              </a:ext>
+            </a:extLst>
+          </p:cNvPr>
+          <p:cNvSpPr/>
+          <p:nvPr/>
+        </p:nvSpPr>
+        <p:spPr>
+          <a:xfrm>
+            <a:off x="2077374" y="4678532"/>
+            <a:ext cx="1837677" cy="876534"/>
+          </a:xfrm>
+          <a:prstGeom prst="roundRect">
+            <a:avLst/>
+          </a:prstGeom>
+          <a:noFill/>
+          <a:effectLst>
+            <a:outerShdw blurRad="50800" dist="38100" dir="5400000" algn="t" rotWithShape="0">
+              <a:prstClr val="black">
+                <a:alpha val="40000"/>
+              </a:prstClr>
+            </a:outerShdw>
+          </a:effectLst>
+        </p:spPr>
+        <p:style>
+          <a:lnRef idx="2">
+            <a:schemeClr val="accent1">
+              <a:shade val="50000"/>
+            </a:schemeClr>
+          </a:lnRef>
+          <a:fillRef idx="1">
+            <a:schemeClr val="accent1"/>
+          </a:fillRef>
+          <a:effectRef idx="0">
+            <a:schemeClr val="accent1"/>
+          </a:effectRef>
+          <a:fontRef idx="minor">
+            <a:schemeClr val="lt1"/>
+          </a:fontRef>
+        </p:style>
+        <p:txBody>
+          <a:bodyPr rtlCol="0" anchor="ctr"/>
+          <a:lstStyle/>
+          <a:p>
+            <a:pPr algn="ctr"/>
+            <a:r>
+              <a:rPr lang="zh-CN" altLang="en-US" sz="2000">
+                <a:solidFill>
+                  <a:schemeClr val="tx1">
+                    <a:lumMod val="85000"/>
+                    <a:lumOff val="15000"/>
+                  </a:schemeClr>
+                </a:solidFill>
+                <a:latin typeface="Ubuntu Mono" panose="020B0509030602030204" pitchFamily="49" charset="0"/>
+                <a:ea typeface="思源黑体 CN Light" panose="020B0300000000000000" pitchFamily="34" charset="-122"/>
+              </a:rPr>
+              <a:t>客户端</a:t>
+            </a:r>
+          </a:p>
+        </p:txBody>
+      </p:sp>
+      <p:sp>
+        <p:nvSpPr>
+          <p:cNvPr id="10" name="矩形: 圆角 9">
+            <a:extLst>
+              <a:ext uri="{FF2B5EF4-FFF2-40B4-BE49-F238E27FC236}">
+                <a16:creationId xmlns:a16="http://schemas.microsoft.com/office/drawing/2014/main" id="{77C4C627-95E7-49DB-869A-8023B20FE748}"/>
+              </a:ext>
+            </a:extLst>
+          </p:cNvPr>
+          <p:cNvSpPr/>
+          <p:nvPr/>
+        </p:nvSpPr>
+        <p:spPr>
+          <a:xfrm>
+            <a:off x="2077373" y="1839151"/>
+            <a:ext cx="1837677" cy="876534"/>
+          </a:xfrm>
+          <a:prstGeom prst="roundRect">
+            <a:avLst/>
+          </a:prstGeom>
+          <a:noFill/>
+          <a:effectLst>
+            <a:outerShdw blurRad="50800" dist="38100" dir="5400000" algn="t" rotWithShape="0">
+              <a:prstClr val="black">
+                <a:alpha val="40000"/>
+              </a:prstClr>
+            </a:outerShdw>
+          </a:effectLst>
+        </p:spPr>
+        <p:style>
+          <a:lnRef idx="2">
+            <a:schemeClr val="accent1">
+              <a:shade val="50000"/>
+            </a:schemeClr>
+          </a:lnRef>
+          <a:fillRef idx="1">
+            <a:schemeClr val="accent1"/>
+          </a:fillRef>
+          <a:effectRef idx="0">
+            <a:schemeClr val="accent1"/>
+          </a:effectRef>
+          <a:fontRef idx="minor">
+            <a:schemeClr val="lt1"/>
+          </a:fontRef>
+        </p:style>
+        <p:txBody>
+          <a:bodyPr rtlCol="0" anchor="ctr"/>
+          <a:lstStyle/>
+          <a:p>
+            <a:pPr algn="ctr"/>
+            <a:r>
+              <a:rPr lang="zh-CN" altLang="en-US" sz="2000">
+                <a:solidFill>
+                  <a:schemeClr val="tx1">
+                    <a:lumMod val="85000"/>
+                    <a:lumOff val="15000"/>
+                  </a:schemeClr>
+                </a:solidFill>
+                <a:latin typeface="Ubuntu Mono" panose="020B0509030602030204" pitchFamily="49" charset="0"/>
+                <a:ea typeface="思源黑体 CN Light" panose="020B0300000000000000" pitchFamily="34" charset="-122"/>
+              </a:rPr>
+              <a:t>服务器</a:t>
+            </a:r>
+          </a:p>
+        </p:txBody>
+      </p:sp>
+      <p:cxnSp>
+        <p:nvCxnSpPr>
+          <p:cNvPr id="12" name="直接箭头连接符 11">
+            <a:extLst>
+              <a:ext uri="{FF2B5EF4-FFF2-40B4-BE49-F238E27FC236}">
+                <a16:creationId xmlns:a16="http://schemas.microsoft.com/office/drawing/2014/main" id="{A8C311C3-A756-433B-AC10-625D820B386F}"/>
+              </a:ext>
+            </a:extLst>
+          </p:cNvPr>
+          <p:cNvCxnSpPr>
+            <a:cxnSpLocks/>
+          </p:cNvCxnSpPr>
+          <p:nvPr/>
+        </p:nvCxnSpPr>
+        <p:spPr>
+          <a:xfrm flipV="1">
+            <a:off x="3932806" y="3835153"/>
+            <a:ext cx="4361901" cy="1281646"/>
+          </a:xfrm>
+          <a:prstGeom prst="straightConnector1">
+            <a:avLst/>
+          </a:prstGeom>
+          <a:ln w="9525">
+            <a:prstDash val="lgDash"/>
+            <a:tailEnd type="triangle"/>
+          </a:ln>
+          <a:effectLst>
+            <a:outerShdw blurRad="50800" dist="38100" dir="5400000" algn="t" rotWithShape="0">
+              <a:prstClr val="black">
+                <a:alpha val="40000"/>
+              </a:prstClr>
+            </a:outerShdw>
+          </a:effectLst>
+        </p:spPr>
+        <p:style>
+          <a:lnRef idx="1">
+            <a:schemeClr val="dk1"/>
+          </a:lnRef>
+          <a:fillRef idx="0">
+            <a:schemeClr val="dk1"/>
+          </a:fillRef>
+          <a:effectRef idx="0">
+            <a:schemeClr val="dk1"/>
+          </a:effectRef>
+          <a:fontRef idx="minor">
+            <a:schemeClr val="tx1"/>
+          </a:fontRef>
+        </p:style>
+      </p:cxnSp>
+      <p:cxnSp>
+        <p:nvCxnSpPr>
+          <p:cNvPr id="14" name="直接箭头连接符 13">
+            <a:extLst>
+              <a:ext uri="{FF2B5EF4-FFF2-40B4-BE49-F238E27FC236}">
+                <a16:creationId xmlns:a16="http://schemas.microsoft.com/office/drawing/2014/main" id="{69876ECE-3D5B-4825-BC5F-91B071C368F8}"/>
+              </a:ext>
+            </a:extLst>
+          </p:cNvPr>
+          <p:cNvCxnSpPr>
+            <a:cxnSpLocks/>
+          </p:cNvCxnSpPr>
+          <p:nvPr/>
+        </p:nvCxnSpPr>
+        <p:spPr>
+          <a:xfrm flipH="1" flipV="1">
+            <a:off x="3941684" y="2259662"/>
+            <a:ext cx="4361902" cy="745429"/>
+          </a:xfrm>
+          <a:prstGeom prst="straightConnector1">
+            <a:avLst/>
+          </a:prstGeom>
+          <a:ln w="9525">
+            <a:prstDash val="lgDash"/>
+            <a:tailEnd type="triangle"/>
+          </a:ln>
+          <a:effectLst>
+            <a:outerShdw blurRad="50800" dist="38100" dir="5400000" algn="t" rotWithShape="0">
+              <a:prstClr val="black">
+                <a:alpha val="40000"/>
+              </a:prstClr>
+            </a:outerShdw>
+          </a:effectLst>
+        </p:spPr>
+        <p:style>
+          <a:lnRef idx="1">
+            <a:schemeClr val="dk1"/>
+          </a:lnRef>
+          <a:fillRef idx="0">
+            <a:schemeClr val="dk1"/>
+          </a:fillRef>
+          <a:effectRef idx="0">
+            <a:schemeClr val="dk1"/>
+          </a:effectRef>
+          <a:fontRef idx="minor">
+            <a:schemeClr val="tx1"/>
+          </a:fontRef>
+        </p:style>
+      </p:cxnSp>
     </p:spTree>
     <p:extLst>
       <p:ext uri="{BB962C8B-B14F-4D97-AF65-F5344CB8AC3E}">
@@ -3900,7 +4367,7 @@
           <p:cNvPr id="2" name="标题 1">
             <a:extLst>
               <a:ext uri="{FF2B5EF4-FFF2-40B4-BE49-F238E27FC236}">
-                <a16:creationId xmlns:a16="http://schemas.microsoft.com/office/drawing/2014/main" id="{A120AA4C-488A-4AAD-94EF-B1988083690E}"/>
+                <a16:creationId xmlns:a16="http://schemas.microsoft.com/office/drawing/2014/main" id="{F8012090-F476-430F-B53E-B70DDD5A2638}"/>
               </a:ext>
             </a:extLst>
           </p:cNvPr>
@@ -3918,70 +4385,562 @@
           <a:p>
             <a:r>
               <a:rPr lang="zh-CN" altLang="en-US"/>
-              <a:t>利用脚本实现自动化</a:t>
-            </a:r>
-          </a:p>
-        </p:txBody>
-      </p:sp>
-      <p:sp>
-        <p:nvSpPr>
-          <p:cNvPr id="3" name="内容占位符 2">
-            <a:extLst>
-              <a:ext uri="{FF2B5EF4-FFF2-40B4-BE49-F238E27FC236}">
-                <a16:creationId xmlns:a16="http://schemas.microsoft.com/office/drawing/2014/main" id="{97085026-6C03-498C-998E-FB0B7B216CCD}"/>
-              </a:ext>
-            </a:extLst>
-          </p:cNvPr>
-          <p:cNvSpPr>
-            <a:spLocks noGrp="1"/>
-          </p:cNvSpPr>
-          <p:nvPr>
-            <p:ph idx="1"/>
-          </p:nvPr>
-        </p:nvSpPr>
-        <p:spPr/>
-        <p:txBody>
-          <a:bodyPr/>
+              <a:t>利用</a:t>
+            </a:r>
+            <a:r>
+              <a:rPr lang="en-US" altLang="zh-CN"/>
+              <a:t>git</a:t>
+            </a:r>
+            <a:r>
+              <a:rPr lang="zh-CN" altLang="en-US"/>
+              <a:t>进行代码同步</a:t>
+            </a:r>
+          </a:p>
+        </p:txBody>
+      </p:sp>
+      <p:sp>
+        <p:nvSpPr>
+          <p:cNvPr id="6" name="六边形 5">
+            <a:extLst>
+              <a:ext uri="{FF2B5EF4-FFF2-40B4-BE49-F238E27FC236}">
+                <a16:creationId xmlns:a16="http://schemas.microsoft.com/office/drawing/2014/main" id="{9C4EBA51-91A8-4156-9DB6-FF6534D1A01D}"/>
+              </a:ext>
+            </a:extLst>
+          </p:cNvPr>
+          <p:cNvSpPr/>
+          <p:nvPr/>
+        </p:nvSpPr>
+        <p:spPr>
+          <a:xfrm>
+            <a:off x="4944860" y="3076113"/>
+            <a:ext cx="1837677" cy="1553593"/>
+          </a:xfrm>
+          <a:prstGeom prst="hexagon">
+            <a:avLst/>
+          </a:prstGeom>
+          <a:noFill/>
+          <a:effectLst>
+            <a:outerShdw blurRad="50800" dist="38100" dir="5400000" algn="t" rotWithShape="0">
+              <a:prstClr val="black">
+                <a:alpha val="40000"/>
+              </a:prstClr>
+            </a:outerShdw>
+          </a:effectLst>
+        </p:spPr>
+        <p:style>
+          <a:lnRef idx="2">
+            <a:schemeClr val="accent2">
+              <a:shade val="50000"/>
+            </a:schemeClr>
+          </a:lnRef>
+          <a:fillRef idx="1">
+            <a:schemeClr val="accent2"/>
+          </a:fillRef>
+          <a:effectRef idx="0">
+            <a:schemeClr val="accent2"/>
+          </a:effectRef>
+          <a:fontRef idx="minor">
+            <a:schemeClr val="lt1"/>
+          </a:fontRef>
+        </p:style>
+        <p:txBody>
+          <a:bodyPr rtlCol="0" anchor="ctr"/>
           <a:lstStyle/>
           <a:p>
-            <a:endParaRPr lang="zh-CN" altLang="en-US"/>
+            <a:pPr algn="ctr"/>
+            <a:r>
+              <a:rPr lang="en-US" altLang="zh-CN" sz="2400">
+                <a:solidFill>
+                  <a:schemeClr val="tx1">
+                    <a:lumMod val="85000"/>
+                    <a:lumOff val="15000"/>
+                  </a:schemeClr>
+                </a:solidFill>
+                <a:latin typeface="Ubuntu Mono" panose="020B0509030602030204" pitchFamily="49" charset="0"/>
+                <a:ea typeface="思源黑体 CN Light" panose="020B0300000000000000" pitchFamily="34" charset="-122"/>
+              </a:rPr>
+              <a:t>Git</a:t>
+            </a:r>
+            <a:r>
+              <a:rPr lang="zh-CN" altLang="en-US" sz="2400">
+                <a:solidFill>
+                  <a:schemeClr val="tx1">
+                    <a:lumMod val="85000"/>
+                    <a:lumOff val="15000"/>
+                  </a:schemeClr>
+                </a:solidFill>
+                <a:latin typeface="Ubuntu Mono" panose="020B0509030602030204" pitchFamily="49" charset="0"/>
+                <a:ea typeface="思源黑体 CN Light" panose="020B0300000000000000" pitchFamily="34" charset="-122"/>
+              </a:rPr>
+              <a:t>平台</a:t>
+            </a:r>
+          </a:p>
+        </p:txBody>
+      </p:sp>
+      <p:sp>
+        <p:nvSpPr>
+          <p:cNvPr id="8" name="矩形: 圆角 7">
+            <a:extLst>
+              <a:ext uri="{FF2B5EF4-FFF2-40B4-BE49-F238E27FC236}">
+                <a16:creationId xmlns:a16="http://schemas.microsoft.com/office/drawing/2014/main" id="{28A72A61-998E-412A-8FB9-2AF504511EE2}"/>
+              </a:ext>
+            </a:extLst>
+          </p:cNvPr>
+          <p:cNvSpPr/>
+          <p:nvPr/>
+        </p:nvSpPr>
+        <p:spPr>
+          <a:xfrm>
+            <a:off x="4900471" y="5485100"/>
+            <a:ext cx="1837677" cy="876534"/>
+          </a:xfrm>
+          <a:prstGeom prst="roundRect">
+            <a:avLst/>
+          </a:prstGeom>
+          <a:noFill/>
+          <a:effectLst>
+            <a:outerShdw blurRad="50800" dist="38100" dir="5400000" algn="t" rotWithShape="0">
+              <a:prstClr val="black">
+                <a:alpha val="40000"/>
+              </a:prstClr>
+            </a:outerShdw>
+          </a:effectLst>
+        </p:spPr>
+        <p:style>
+          <a:lnRef idx="2">
+            <a:schemeClr val="accent1">
+              <a:shade val="50000"/>
+            </a:schemeClr>
+          </a:lnRef>
+          <a:fillRef idx="1">
+            <a:schemeClr val="accent1"/>
+          </a:fillRef>
+          <a:effectRef idx="0">
+            <a:schemeClr val="accent1"/>
+          </a:effectRef>
+          <a:fontRef idx="minor">
+            <a:schemeClr val="lt1"/>
+          </a:fontRef>
+        </p:style>
+        <p:txBody>
+          <a:bodyPr rtlCol="0" anchor="ctr"/>
+          <a:lstStyle/>
+          <a:p>
+            <a:pPr algn="ctr"/>
+            <a:r>
+              <a:rPr lang="zh-CN" altLang="en-US" sz="2000">
+                <a:solidFill>
+                  <a:schemeClr val="tx1">
+                    <a:lumMod val="85000"/>
+                    <a:lumOff val="15000"/>
+                  </a:schemeClr>
+                </a:solidFill>
+                <a:latin typeface="Ubuntu Mono" panose="020B0509030602030204" pitchFamily="49" charset="0"/>
+                <a:ea typeface="思源黑体 CN Light" panose="020B0300000000000000" pitchFamily="34" charset="-122"/>
+              </a:rPr>
+              <a:t>客户端</a:t>
+            </a:r>
+          </a:p>
+        </p:txBody>
+      </p:sp>
+      <p:sp>
+        <p:nvSpPr>
+          <p:cNvPr id="10" name="矩形: 圆角 9">
+            <a:extLst>
+              <a:ext uri="{FF2B5EF4-FFF2-40B4-BE49-F238E27FC236}">
+                <a16:creationId xmlns:a16="http://schemas.microsoft.com/office/drawing/2014/main" id="{77C4C627-95E7-49DB-869A-8023B20FE748}"/>
+              </a:ext>
+            </a:extLst>
+          </p:cNvPr>
+          <p:cNvSpPr/>
+          <p:nvPr/>
+        </p:nvSpPr>
+        <p:spPr>
+          <a:xfrm>
+            <a:off x="1455934" y="1420112"/>
+            <a:ext cx="1837677" cy="876534"/>
+          </a:xfrm>
+          <a:prstGeom prst="roundRect">
+            <a:avLst/>
+          </a:prstGeom>
+          <a:noFill/>
+          <a:effectLst>
+            <a:outerShdw blurRad="50800" dist="38100" dir="5400000" algn="t" rotWithShape="0">
+              <a:prstClr val="black">
+                <a:alpha val="40000"/>
+              </a:prstClr>
+            </a:outerShdw>
+          </a:effectLst>
+        </p:spPr>
+        <p:style>
+          <a:lnRef idx="2">
+            <a:schemeClr val="accent1">
+              <a:shade val="50000"/>
+            </a:schemeClr>
+          </a:lnRef>
+          <a:fillRef idx="1">
+            <a:schemeClr val="accent1"/>
+          </a:fillRef>
+          <a:effectRef idx="0">
+            <a:schemeClr val="accent1"/>
+          </a:effectRef>
+          <a:fontRef idx="minor">
+            <a:schemeClr val="lt1"/>
+          </a:fontRef>
+        </p:style>
+        <p:txBody>
+          <a:bodyPr rtlCol="0" anchor="ctr"/>
+          <a:lstStyle/>
+          <a:p>
+            <a:pPr algn="ctr"/>
+            <a:r>
+              <a:rPr lang="zh-CN" altLang="en-US" sz="2000">
+                <a:solidFill>
+                  <a:schemeClr val="tx1">
+                    <a:lumMod val="85000"/>
+                    <a:lumOff val="15000"/>
+                  </a:schemeClr>
+                </a:solidFill>
+                <a:latin typeface="Ubuntu Mono" panose="020B0509030602030204" pitchFamily="49" charset="0"/>
+                <a:ea typeface="思源黑体 CN Light" panose="020B0300000000000000" pitchFamily="34" charset="-122"/>
+              </a:rPr>
+              <a:t>服务器</a:t>
+            </a:r>
+          </a:p>
+        </p:txBody>
+      </p:sp>
+      <p:cxnSp>
+        <p:nvCxnSpPr>
+          <p:cNvPr id="12" name="直接箭头连接符 11">
+            <a:extLst>
+              <a:ext uri="{FF2B5EF4-FFF2-40B4-BE49-F238E27FC236}">
+                <a16:creationId xmlns:a16="http://schemas.microsoft.com/office/drawing/2014/main" id="{A8C311C3-A756-433B-AC10-625D820B386F}"/>
+              </a:ext>
+            </a:extLst>
+          </p:cNvPr>
+          <p:cNvCxnSpPr>
+            <a:cxnSpLocks/>
+          </p:cNvCxnSpPr>
+          <p:nvPr/>
+        </p:nvCxnSpPr>
+        <p:spPr>
+          <a:xfrm flipV="1">
+            <a:off x="5844457" y="4665219"/>
+            <a:ext cx="0" cy="776794"/>
+          </a:xfrm>
+          <a:prstGeom prst="straightConnector1">
+            <a:avLst/>
+          </a:prstGeom>
+          <a:ln w="9525">
+            <a:prstDash val="lgDash"/>
+            <a:tailEnd type="triangle"/>
+          </a:ln>
+          <a:effectLst>
+            <a:outerShdw blurRad="50800" dist="38100" dir="5400000" algn="t" rotWithShape="0">
+              <a:prstClr val="black">
+                <a:alpha val="40000"/>
+              </a:prstClr>
+            </a:outerShdw>
+          </a:effectLst>
+        </p:spPr>
+        <p:style>
+          <a:lnRef idx="1">
+            <a:schemeClr val="dk1"/>
+          </a:lnRef>
+          <a:fillRef idx="0">
+            <a:schemeClr val="dk1"/>
+          </a:fillRef>
+          <a:effectRef idx="0">
+            <a:schemeClr val="dk1"/>
+          </a:effectRef>
+          <a:fontRef idx="minor">
+            <a:schemeClr val="tx1"/>
+          </a:fontRef>
+        </p:style>
+      </p:cxnSp>
+      <p:cxnSp>
+        <p:nvCxnSpPr>
+          <p:cNvPr id="14" name="直接箭头连接符 13">
+            <a:extLst>
+              <a:ext uri="{FF2B5EF4-FFF2-40B4-BE49-F238E27FC236}">
+                <a16:creationId xmlns:a16="http://schemas.microsoft.com/office/drawing/2014/main" id="{69876ECE-3D5B-4825-BC5F-91B071C368F8}"/>
+              </a:ext>
+            </a:extLst>
+          </p:cNvPr>
+          <p:cNvCxnSpPr>
+            <a:cxnSpLocks/>
+          </p:cNvCxnSpPr>
+          <p:nvPr/>
+        </p:nvCxnSpPr>
+        <p:spPr>
+          <a:xfrm flipH="1" flipV="1">
+            <a:off x="2428040" y="2375212"/>
+            <a:ext cx="2570088" cy="1184734"/>
+          </a:xfrm>
+          <a:prstGeom prst="straightConnector1">
+            <a:avLst/>
+          </a:prstGeom>
+          <a:ln w="9525">
+            <a:prstDash val="lgDash"/>
+            <a:tailEnd type="triangle"/>
+          </a:ln>
+          <a:effectLst>
+            <a:outerShdw blurRad="50800" dist="38100" dir="5400000" algn="t" rotWithShape="0">
+              <a:prstClr val="black">
+                <a:alpha val="40000"/>
+              </a:prstClr>
+            </a:outerShdw>
+          </a:effectLst>
+        </p:spPr>
+        <p:style>
+          <a:lnRef idx="1">
+            <a:schemeClr val="dk1"/>
+          </a:lnRef>
+          <a:fillRef idx="0">
+            <a:schemeClr val="dk1"/>
+          </a:fillRef>
+          <a:effectRef idx="0">
+            <a:schemeClr val="dk1"/>
+          </a:effectRef>
+          <a:fontRef idx="minor">
+            <a:schemeClr val="tx1"/>
+          </a:fontRef>
+        </p:style>
+      </p:cxnSp>
+      <p:sp>
+        <p:nvSpPr>
+          <p:cNvPr id="3" name="矩形: 圆角 2">
+            <a:extLst>
+              <a:ext uri="{FF2B5EF4-FFF2-40B4-BE49-F238E27FC236}">
+                <a16:creationId xmlns:a16="http://schemas.microsoft.com/office/drawing/2014/main" id="{DD831D61-C43B-4641-8C98-589148527463}"/>
+              </a:ext>
+            </a:extLst>
+          </p:cNvPr>
+          <p:cNvSpPr/>
+          <p:nvPr/>
+        </p:nvSpPr>
+        <p:spPr>
+          <a:xfrm>
+            <a:off x="8485574" y="1420112"/>
+            <a:ext cx="1837677" cy="876534"/>
+          </a:xfrm>
+          <a:prstGeom prst="roundRect">
+            <a:avLst/>
+          </a:prstGeom>
+          <a:noFill/>
+          <a:effectLst>
+            <a:outerShdw blurRad="50800" dist="38100" dir="5400000" algn="t" rotWithShape="0">
+              <a:prstClr val="black">
+                <a:alpha val="40000"/>
+              </a:prstClr>
+            </a:outerShdw>
+          </a:effectLst>
+        </p:spPr>
+        <p:style>
+          <a:lnRef idx="2">
+            <a:schemeClr val="accent1">
+              <a:shade val="50000"/>
+            </a:schemeClr>
+          </a:lnRef>
+          <a:fillRef idx="1">
+            <a:schemeClr val="accent1"/>
+          </a:fillRef>
+          <a:effectRef idx="0">
+            <a:schemeClr val="accent1"/>
+          </a:effectRef>
+          <a:fontRef idx="minor">
+            <a:schemeClr val="lt1"/>
+          </a:fontRef>
+        </p:style>
+        <p:txBody>
+          <a:bodyPr rtlCol="0" anchor="ctr"/>
+          <a:lstStyle/>
+          <a:p>
+            <a:pPr algn="ctr"/>
+            <a:r>
+              <a:rPr lang="zh-CN" altLang="en-US" sz="2000">
+                <a:solidFill>
+                  <a:schemeClr val="tx1">
+                    <a:lumMod val="85000"/>
+                    <a:lumOff val="15000"/>
+                  </a:schemeClr>
+                </a:solidFill>
+                <a:latin typeface="Ubuntu Mono" panose="020B0509030602030204" pitchFamily="49" charset="0"/>
+                <a:ea typeface="思源黑体 CN Light" panose="020B0300000000000000" pitchFamily="34" charset="-122"/>
+              </a:rPr>
+              <a:t>服务器</a:t>
+            </a:r>
+          </a:p>
+        </p:txBody>
+      </p:sp>
+      <p:cxnSp>
+        <p:nvCxnSpPr>
+          <p:cNvPr id="11" name="直接箭头连接符 10">
+            <a:extLst>
+              <a:ext uri="{FF2B5EF4-FFF2-40B4-BE49-F238E27FC236}">
+                <a16:creationId xmlns:a16="http://schemas.microsoft.com/office/drawing/2014/main" id="{A565C36C-A0D9-428B-B1CE-5B115CD46CA3}"/>
+              </a:ext>
+            </a:extLst>
+          </p:cNvPr>
+          <p:cNvCxnSpPr>
+            <a:cxnSpLocks/>
+          </p:cNvCxnSpPr>
+          <p:nvPr/>
+        </p:nvCxnSpPr>
+        <p:spPr>
+          <a:xfrm flipV="1">
+            <a:off x="6699676" y="2375212"/>
+            <a:ext cx="2570088" cy="1184734"/>
+          </a:xfrm>
+          <a:prstGeom prst="straightConnector1">
+            <a:avLst/>
+          </a:prstGeom>
+          <a:ln w="9525">
+            <a:prstDash val="lgDash"/>
+            <a:tailEnd type="triangle"/>
+          </a:ln>
+          <a:effectLst>
+            <a:outerShdw blurRad="50800" dist="38100" dir="5400000" algn="t" rotWithShape="0">
+              <a:prstClr val="black">
+                <a:alpha val="40000"/>
+              </a:prstClr>
+            </a:outerShdw>
+          </a:effectLst>
+        </p:spPr>
+        <p:style>
+          <a:lnRef idx="1">
+            <a:schemeClr val="dk1"/>
+          </a:lnRef>
+          <a:fillRef idx="0">
+            <a:schemeClr val="dk1"/>
+          </a:fillRef>
+          <a:effectRef idx="0">
+            <a:schemeClr val="dk1"/>
+          </a:effectRef>
+          <a:fontRef idx="minor">
+            <a:schemeClr val="tx1"/>
+          </a:fontRef>
+        </p:style>
+      </p:cxnSp>
+      <p:cxnSp>
+        <p:nvCxnSpPr>
+          <p:cNvPr id="13" name="直接箭头连接符 12">
+            <a:extLst>
+              <a:ext uri="{FF2B5EF4-FFF2-40B4-BE49-F238E27FC236}">
+                <a16:creationId xmlns:a16="http://schemas.microsoft.com/office/drawing/2014/main" id="{4BBD5BF0-9101-438B-98BA-E6C27959DEE2}"/>
+              </a:ext>
+            </a:extLst>
+          </p:cNvPr>
+          <p:cNvCxnSpPr>
+            <a:cxnSpLocks/>
+          </p:cNvCxnSpPr>
+          <p:nvPr/>
+        </p:nvCxnSpPr>
+        <p:spPr>
+          <a:xfrm flipV="1">
+            <a:off x="5844457" y="2323280"/>
+            <a:ext cx="0" cy="713476"/>
+          </a:xfrm>
+          <a:prstGeom prst="straightConnector1">
+            <a:avLst/>
+          </a:prstGeom>
+          <a:ln w="9525">
+            <a:prstDash val="lgDash"/>
+            <a:tailEnd type="triangle"/>
+          </a:ln>
+          <a:effectLst>
+            <a:outerShdw blurRad="50800" dist="38100" dir="5400000" algn="t" rotWithShape="0">
+              <a:prstClr val="black">
+                <a:alpha val="40000"/>
+              </a:prstClr>
+            </a:outerShdw>
+          </a:effectLst>
+        </p:spPr>
+        <p:style>
+          <a:lnRef idx="1">
+            <a:schemeClr val="dk1"/>
+          </a:lnRef>
+          <a:fillRef idx="0">
+            <a:schemeClr val="dk1"/>
+          </a:fillRef>
+          <a:effectRef idx="0">
+            <a:schemeClr val="dk1"/>
+          </a:effectRef>
+          <a:fontRef idx="minor">
+            <a:schemeClr val="tx1"/>
+          </a:fontRef>
+        </p:style>
+      </p:cxnSp>
+      <p:sp>
+        <p:nvSpPr>
+          <p:cNvPr id="16" name="矩形: 圆角 15">
+            <a:extLst>
+              <a:ext uri="{FF2B5EF4-FFF2-40B4-BE49-F238E27FC236}">
+                <a16:creationId xmlns:a16="http://schemas.microsoft.com/office/drawing/2014/main" id="{89E8B948-CCB8-44AB-9A63-97673E1272C0}"/>
+              </a:ext>
+            </a:extLst>
+          </p:cNvPr>
+          <p:cNvSpPr/>
+          <p:nvPr/>
+        </p:nvSpPr>
+        <p:spPr>
+          <a:xfrm>
+            <a:off x="4998128" y="1422473"/>
+            <a:ext cx="1837677" cy="876534"/>
+          </a:xfrm>
+          <a:prstGeom prst="roundRect">
+            <a:avLst/>
+          </a:prstGeom>
+          <a:noFill/>
+          <a:effectLst>
+            <a:outerShdw blurRad="50800" dist="38100" dir="5400000" algn="t" rotWithShape="0">
+              <a:prstClr val="black">
+                <a:alpha val="40000"/>
+              </a:prstClr>
+            </a:outerShdw>
+          </a:effectLst>
+        </p:spPr>
+        <p:style>
+          <a:lnRef idx="2">
+            <a:schemeClr val="accent1">
+              <a:shade val="50000"/>
+            </a:schemeClr>
+          </a:lnRef>
+          <a:fillRef idx="1">
+            <a:schemeClr val="accent1"/>
+          </a:fillRef>
+          <a:effectRef idx="0">
+            <a:schemeClr val="accent1"/>
+          </a:effectRef>
+          <a:fontRef idx="minor">
+            <a:schemeClr val="lt1"/>
+          </a:fontRef>
+        </p:style>
+        <p:txBody>
+          <a:bodyPr rtlCol="0" anchor="ctr"/>
+          <a:lstStyle/>
+          <a:p>
+            <a:pPr algn="ctr"/>
+            <a:r>
+              <a:rPr lang="zh-CN" altLang="en-US" sz="2000">
+                <a:solidFill>
+                  <a:schemeClr val="tx1">
+                    <a:lumMod val="85000"/>
+                    <a:lumOff val="15000"/>
+                  </a:schemeClr>
+                </a:solidFill>
+                <a:latin typeface="Ubuntu Mono" panose="020B0509030602030204" pitchFamily="49" charset="0"/>
+                <a:ea typeface="思源黑体 CN Light" panose="020B0300000000000000" pitchFamily="34" charset="-122"/>
+              </a:rPr>
+              <a:t>服务器</a:t>
+            </a:r>
           </a:p>
         </p:txBody>
       </p:sp>
     </p:spTree>
     <p:extLst>
       <p:ext uri="{BB962C8B-B14F-4D97-AF65-F5344CB8AC3E}">
-        <p14:creationId xmlns:p14="http://schemas.microsoft.com/office/powerpoint/2010/main" val="3930959555"/>
-      </p:ext>
-    </p:extLst>
-  </p:cSld>
-  <p:clrMapOvr>
-    <a:masterClrMapping/>
-  </p:clrMapOvr>
-</p:sld>
-</file>
-
-<file path=ppt/slides/slide6.xml><?xml version="1.0" encoding="utf-8"?>
-<p:sld xmlns:a="http://schemas.openxmlformats.org/drawingml/2006/main" xmlns:r="http://schemas.openxmlformats.org/officeDocument/2006/relationships" xmlns:p="http://schemas.openxmlformats.org/presentationml/2006/main">
-  <p:cSld>
-    <p:spTree>
-      <p:nvGrpSpPr>
-        <p:cNvPr id="1" name=""/>
-        <p:cNvGrpSpPr/>
-        <p:nvPr/>
-      </p:nvGrpSpPr>
-      <p:grpSpPr>
-        <a:xfrm>
-          <a:off x="0" y="0"/>
-          <a:ext cx="0" cy="0"/>
-          <a:chOff x="0" y="0"/>
-          <a:chExt cx="0" cy="0"/>
-        </a:xfrm>
-      </p:grpSpPr>
-    </p:spTree>
-    <p:extLst>
-      <p:ext uri="{BB962C8B-B14F-4D97-AF65-F5344CB8AC3E}">
-        <p14:creationId xmlns:p14="http://schemas.microsoft.com/office/powerpoint/2010/main" val="365098710"/>
+        <p14:creationId xmlns:p14="http://schemas.microsoft.com/office/powerpoint/2010/main" val="4066307927"/>
       </p:ext>
     </p:extLst>
   </p:cSld>
